--- a/fuentes/contenidos/grado06/guion14/MA_06_14_CO Mapa Conceptual.pptx
+++ b/fuentes/contenidos/grado06/guion14/MA_06_14_CO Mapa Conceptual.pptx
@@ -106,7 +106,18 @@
   </p:defaultTextStyle>
   <p:extLst>
     <p:ext uri="{EFAFB233-063F-42B5-8137-9DF3F51BA10A}">
-      <p15:sldGuideLst xmlns:p15="http://schemas.microsoft.com/office/powerpoint/2012/main" xmlns=""/>
+      <p15:sldGuideLst xmlns:p15="http://schemas.microsoft.com/office/powerpoint/2012/main">
+        <p15:guide id="1" orient="horz" pos="2160">
+          <p15:clr>
+            <a:srgbClr val="A4A3A4"/>
+          </p15:clr>
+        </p15:guide>
+        <p15:guide id="2" pos="2880">
+          <p15:clr>
+            <a:srgbClr val="A4A3A4"/>
+          </p15:clr>
+        </p15:guide>
+      </p15:sldGuideLst>
     </p:ext>
   </p:extLst>
 </p:presentation>
@@ -139,13 +150,6 @@
   <p:clrMapOvr>
     <a:masterClrMapping/>
   </p:clrMapOvr>
-  <p:timing>
-    <p:tnLst>
-      <p:par>
-        <p:cTn xmlns:p14="http://schemas.microsoft.com/office/powerpoint/2010/main" id="1" dur="indefinite" restart="never" nodeType="tmRoot"/>
-      </p:par>
-    </p:tnLst>
-  </p:timing>
 </p:sldLayout>
 </file>
 
@@ -176,13 +180,6 @@
   <p:clrMapOvr>
     <a:masterClrMapping/>
   </p:clrMapOvr>
-  <p:timing>
-    <p:tnLst>
-      <p:par>
-        <p:cTn xmlns:p14="http://schemas.microsoft.com/office/powerpoint/2010/main" id="1" dur="indefinite" restart="never" nodeType="tmRoot"/>
-      </p:par>
-    </p:tnLst>
-  </p:timing>
 </p:sldLayout>
 </file>
 
@@ -213,13 +210,6 @@
   <p:clrMapOvr>
     <a:masterClrMapping/>
   </p:clrMapOvr>
-  <p:timing>
-    <p:tnLst>
-      <p:par>
-        <p:cTn xmlns:p14="http://schemas.microsoft.com/office/powerpoint/2010/main" id="1" dur="indefinite" restart="never" nodeType="tmRoot"/>
-      </p:par>
-    </p:tnLst>
-  </p:timing>
 </p:sldLayout>
 </file>
 
@@ -250,13 +240,6 @@
   <p:clrMapOvr>
     <a:masterClrMapping/>
   </p:clrMapOvr>
-  <p:timing>
-    <p:tnLst>
-      <p:par>
-        <p:cTn xmlns:p14="http://schemas.microsoft.com/office/powerpoint/2010/main" id="1" dur="indefinite" restart="never" nodeType="tmRoot"/>
-      </p:par>
-    </p:tnLst>
-  </p:timing>
 </p:sldLayout>
 </file>
 
@@ -287,13 +270,6 @@
   <p:clrMapOvr>
     <a:masterClrMapping/>
   </p:clrMapOvr>
-  <p:timing>
-    <p:tnLst>
-      <p:par>
-        <p:cTn xmlns:p14="http://schemas.microsoft.com/office/powerpoint/2010/main" id="1" dur="indefinite" restart="never" nodeType="tmRoot"/>
-      </p:par>
-    </p:tnLst>
-  </p:timing>
 </p:sldLayout>
 </file>
 
@@ -324,13 +300,6 @@
   <p:clrMapOvr>
     <a:masterClrMapping/>
   </p:clrMapOvr>
-  <p:timing>
-    <p:tnLst>
-      <p:par>
-        <p:cTn xmlns:p14="http://schemas.microsoft.com/office/powerpoint/2010/main" id="1" dur="indefinite" restart="never" nodeType="tmRoot"/>
-      </p:par>
-    </p:tnLst>
-  </p:timing>
 </p:sldLayout>
 </file>
 
@@ -361,13 +330,6 @@
   <p:clrMapOvr>
     <a:masterClrMapping/>
   </p:clrMapOvr>
-  <p:timing>
-    <p:tnLst>
-      <p:par>
-        <p:cTn xmlns:p14="http://schemas.microsoft.com/office/powerpoint/2010/main" id="1" dur="indefinite" restart="never" nodeType="tmRoot"/>
-      </p:par>
-    </p:tnLst>
-  </p:timing>
 </p:sldLayout>
 </file>
 
@@ -398,13 +360,6 @@
   <p:clrMapOvr>
     <a:masterClrMapping/>
   </p:clrMapOvr>
-  <p:timing>
-    <p:tnLst>
-      <p:par>
-        <p:cTn xmlns:p14="http://schemas.microsoft.com/office/powerpoint/2010/main" id="1" dur="indefinite" restart="never" nodeType="tmRoot"/>
-      </p:par>
-    </p:tnLst>
-  </p:timing>
 </p:sldLayout>
 </file>
 
@@ -451,7 +406,7 @@
             <a:fld id="{5001C876-01F7-4317-94B9-1AE222133113}" type="datetimeFigureOut">
               <a:rPr lang="es-ES" smtClean="0"/>
               <a:pPr/>
-              <a:t>12/02/16</a:t>
+              <a:t>01/03/2016</a:t>
             </a:fld>
             <a:endParaRPr lang="es-ES"/>
           </a:p>
@@ -510,7 +465,7 @@
             <a:fld id="{58140F73-F5A2-4B82-A2FA-BF1850CF1309}" type="slidenum">
               <a:rPr lang="es-ES" smtClean="0"/>
               <a:pPr/>
-              <a:t>‹Nr.›</a:t>
+              <a:t>‹Nº›</a:t>
             </a:fld>
             <a:endParaRPr lang="es-ES"/>
           </a:p>
@@ -526,13 +481,6 @@
   <p:clrMapOvr>
     <a:masterClrMapping/>
   </p:clrMapOvr>
-  <p:timing>
-    <p:tnLst>
-      <p:par>
-        <p:cTn xmlns:p14="http://schemas.microsoft.com/office/powerpoint/2010/main" id="1" dur="indefinite" restart="never" nodeType="tmRoot"/>
-      </p:par>
-    </p:tnLst>
-  </p:timing>
 </p:sldLayout>
 </file>
 
@@ -563,13 +511,6 @@
   <p:clrMapOvr>
     <a:masterClrMapping/>
   </p:clrMapOvr>
-  <p:timing>
-    <p:tnLst>
-      <p:par>
-        <p:cTn xmlns:p14="http://schemas.microsoft.com/office/powerpoint/2010/main" id="1" dur="indefinite" restart="never" nodeType="tmRoot"/>
-      </p:par>
-    </p:tnLst>
-  </p:timing>
 </p:sldLayout>
 </file>
 
@@ -600,13 +541,6 @@
   <p:clrMapOvr>
     <a:masterClrMapping/>
   </p:clrMapOvr>
-  <p:timing>
-    <p:tnLst>
-      <p:par>
-        <p:cTn xmlns:p14="http://schemas.microsoft.com/office/powerpoint/2010/main" id="1" dur="indefinite" restart="never" nodeType="tmRoot"/>
-      </p:par>
-    </p:tnLst>
-  </p:timing>
 </p:sldLayout>
 </file>
 
@@ -656,16 +590,12 @@
           <a:p>
             <a:pPr algn="ctr"/>
             <a:r>
-              <a:rPr lang="es-ES" sz="1200" dirty="0" smtClean="0">
+              <a:rPr lang="es-ES" sz="1200" dirty="0">
                 <a:latin typeface="Arial" panose="020B0604020202020204" pitchFamily="34" charset="0"/>
                 <a:cs typeface="Arial" panose="020B0604020202020204" pitchFamily="34" charset="0"/>
               </a:rPr>
               <a:t>© Editorial Planeta Colombiana S.A., 2016.</a:t>
             </a:r>
-            <a:endParaRPr lang="es-ES" sz="1200" dirty="0">
-              <a:latin typeface="Arial" panose="020B0604020202020204" pitchFamily="34" charset="0"/>
-              <a:cs typeface="Arial" panose="020B0604020202020204" pitchFamily="34" charset="0"/>
-            </a:endParaRPr>
           </a:p>
         </p:txBody>
       </p:sp>
@@ -720,13 +650,6 @@
     <p:sldLayoutId id="2147483670" r:id="rId10"/>
     <p:sldLayoutId id="2147483671" r:id="rId11"/>
   </p:sldLayoutIdLst>
-  <p:timing>
-    <p:tnLst>
-      <p:par>
-        <p:cTn xmlns:p14="http://schemas.microsoft.com/office/powerpoint/2010/main" id="1" dur="indefinite" restart="never" nodeType="tmRoot"/>
-      </p:par>
-    </p:tnLst>
-  </p:timing>
   <p:txStyles>
     <p:titleStyle>
       <a:lvl1pPr algn="l" defTabSz="914400" rtl="0" eaLnBrk="1" latinLnBrk="0" hangingPunct="1">
@@ -1070,16 +993,12 @@
           <a:p>
             <a:pPr algn="ctr"/>
             <a:r>
-              <a:rPr lang="es-ES" sz="1600" dirty="0" smtClean="0">
+              <a:rPr lang="es-ES" sz="1600" dirty="0">
                 <a:latin typeface="Arial" panose="020B0604020202020204" pitchFamily="34" charset="0"/>
                 <a:cs typeface="Arial" panose="020B0604020202020204" pitchFamily="34" charset="0"/>
               </a:rPr>
               <a:t>La Estadística y la probabilidad</a:t>
             </a:r>
-            <a:endParaRPr lang="es-ES" sz="1600" dirty="0">
-              <a:latin typeface="Arial" panose="020B0604020202020204" pitchFamily="34" charset="0"/>
-              <a:cs typeface="Arial" panose="020B0604020202020204" pitchFamily="34" charset="0"/>
-            </a:endParaRPr>
           </a:p>
         </p:txBody>
       </p:sp>
@@ -1091,8 +1010,8 @@
         </p:nvSpPr>
         <p:spPr>
           <a:xfrm>
-            <a:off x="1926998" y="724260"/>
-            <a:ext cx="1124746" cy="439782"/>
+            <a:off x="1926997" y="685185"/>
+            <a:ext cx="1933803" cy="439782"/>
           </a:xfrm>
           <a:prstGeom prst="rect">
             <a:avLst/>
@@ -1133,32 +1052,33 @@
           <a:p>
             <a:pPr algn="ctr"/>
             <a:r>
-              <a:rPr lang="es-ES" sz="1200" b="1" dirty="0" smtClean="0">
+              <a:rPr lang="es-ES" sz="1200" b="1" dirty="0">
                 <a:latin typeface="Arial" panose="020B0604020202020204" pitchFamily="34" charset="0"/>
                 <a:cs typeface="Arial" panose="020B0604020202020204" pitchFamily="34" charset="0"/>
               </a:rPr>
               <a:t>Estadística</a:t>
             </a:r>
-            <a:endParaRPr lang="es-ES" sz="1200" b="1" dirty="0">
-              <a:latin typeface="Arial" panose="020B0604020202020204" pitchFamily="34" charset="0"/>
-              <a:cs typeface="Arial" panose="020B0604020202020204" pitchFamily="34" charset="0"/>
-            </a:endParaRPr>
           </a:p>
         </p:txBody>
       </p:sp>
       <p:cxnSp>
         <p:nvCxnSpPr>
           <p:cNvPr id="12" name="Conector angular 11"/>
-          <p:cNvCxnSpPr/>
+          <p:cNvCxnSpPr>
+            <a:stCxn id="4" idx="2"/>
+            <a:endCxn id="5" idx="0"/>
+          </p:cNvCxnSpPr>
           <p:nvPr/>
         </p:nvCxnSpPr>
         <p:spPr>
-          <a:xfrm rot="10800000" flipV="1">
-            <a:off x="2488213" y="431135"/>
-            <a:ext cx="2263388" cy="172750"/>
+          <a:xfrm rot="5400000">
+            <a:off x="3695724" y="-370689"/>
+            <a:ext cx="254049" cy="1857698"/>
           </a:xfrm>
           <a:prstGeom prst="bentConnector3">
-            <a:avLst/>
+            <a:avLst>
+              <a:gd name="adj1" fmla="val 50000"/>
+            </a:avLst>
           </a:prstGeom>
           <a:ln w="12700">
             <a:solidFill>
@@ -1189,7 +1109,7 @@
         </p:nvSpPr>
         <p:spPr>
           <a:xfrm>
-            <a:off x="1943566" y="1288812"/>
+            <a:off x="2332864" y="1226292"/>
             <a:ext cx="1122431" cy="230832"/>
           </a:xfrm>
           <a:prstGeom prst="rect">
@@ -1205,16 +1125,12 @@
           <a:p>
             <a:pPr algn="ctr"/>
             <a:r>
-              <a:rPr lang="es-ES" sz="900" dirty="0" smtClean="0">
+              <a:rPr lang="es-ES" sz="900" dirty="0">
                 <a:latin typeface="Arial" panose="020B0604020202020204" pitchFamily="34" charset="0"/>
                 <a:cs typeface="Arial" panose="020B0604020202020204" pitchFamily="34" charset="0"/>
               </a:rPr>
               <a:t>permite</a:t>
             </a:r>
-            <a:endParaRPr lang="es-ES" sz="900" dirty="0">
-              <a:latin typeface="Arial" panose="020B0604020202020204" pitchFamily="34" charset="0"/>
-              <a:cs typeface="Arial" panose="020B0604020202020204" pitchFamily="34" charset="0"/>
-            </a:endParaRPr>
           </a:p>
         </p:txBody>
       </p:sp>
@@ -1229,8 +1145,8 @@
         </p:nvCxnSpPr>
         <p:spPr>
           <a:xfrm rot="16200000" flipH="1">
-            <a:off x="2434691" y="1218721"/>
-            <a:ext cx="124770" cy="15411"/>
+            <a:off x="2843327" y="1175538"/>
+            <a:ext cx="101325" cy="181"/>
           </a:xfrm>
           <a:prstGeom prst="bentConnector3">
             <a:avLst>
@@ -1266,8 +1182,8 @@
         </p:nvSpPr>
         <p:spPr>
           <a:xfrm>
-            <a:off x="1619795" y="1590664"/>
-            <a:ext cx="1906032" cy="480888"/>
+            <a:off x="1926997" y="1547882"/>
+            <a:ext cx="1933802" cy="523670"/>
           </a:xfrm>
           <a:prstGeom prst="rect">
             <a:avLst/>
@@ -1310,25 +1226,8 @@
                 <a:latin typeface="Arial" panose="020B0604020202020204" pitchFamily="34" charset="0"/>
                 <a:cs typeface="Arial" panose="020B0604020202020204" pitchFamily="34" charset="0"/>
               </a:rPr>
-              <a:t>o</a:t>
-            </a:r>
-            <a:r>
-              <a:rPr lang="es-ES" sz="1050" dirty="0" smtClean="0">
-                <a:solidFill>
-                  <a:schemeClr val="bg1"/>
-                </a:solidFill>
-                <a:latin typeface="Arial" panose="020B0604020202020204" pitchFamily="34" charset="0"/>
-                <a:cs typeface="Arial" panose="020B0604020202020204" pitchFamily="34" charset="0"/>
-              </a:rPr>
-              <a:t>rganizar, analizar y tomar decisiones sobre alguna información</a:t>
-            </a:r>
-            <a:endParaRPr lang="es-ES" sz="1050" dirty="0">
-              <a:solidFill>
-                <a:schemeClr val="bg1"/>
-              </a:solidFill>
-              <a:latin typeface="Arial" panose="020B0604020202020204" pitchFamily="34" charset="0"/>
-              <a:cs typeface="Arial" panose="020B0604020202020204" pitchFamily="34" charset="0"/>
-            </a:endParaRPr>
+              <a:t>organizar, analizar y tomar decisiones sobre alguna información</a:t>
+            </a:r>
           </a:p>
         </p:txBody>
       </p:sp>
@@ -1342,9 +1241,9 @@
           <p:nvPr/>
         </p:nvCxnSpPr>
         <p:spPr>
-          <a:xfrm rot="16200000" flipH="1">
-            <a:off x="2503286" y="1521139"/>
-            <a:ext cx="71020" cy="68029"/>
+          <a:xfrm rot="5400000">
+            <a:off x="2848610" y="1502412"/>
+            <a:ext cx="90758" cy="182"/>
           </a:xfrm>
           <a:prstGeom prst="bentConnector3">
             <a:avLst>
@@ -1380,8 +1279,8 @@
         </p:nvSpPr>
         <p:spPr>
           <a:xfrm>
-            <a:off x="2023698" y="2215423"/>
-            <a:ext cx="1117174" cy="230836"/>
+            <a:off x="2332864" y="2173819"/>
+            <a:ext cx="1122432" cy="230832"/>
           </a:xfrm>
           <a:prstGeom prst="rect">
             <a:avLst/>
@@ -1400,32 +1299,24 @@
                 <a:latin typeface="Arial" panose="020B0604020202020204" pitchFamily="34" charset="0"/>
                 <a:cs typeface="Arial" panose="020B0604020202020204" pitchFamily="34" charset="0"/>
               </a:rPr>
-              <a:t>a</a:t>
-            </a:r>
-            <a:r>
-              <a:rPr lang="es-ES" sz="900" dirty="0" smtClean="0">
-                <a:latin typeface="Arial" panose="020B0604020202020204" pitchFamily="34" charset="0"/>
-                <a:cs typeface="Arial" panose="020B0604020202020204" pitchFamily="34" charset="0"/>
-              </a:rPr>
-              <a:t> partir de</a:t>
-            </a:r>
-            <a:endParaRPr lang="es-ES" sz="900" dirty="0">
-              <a:latin typeface="Arial" panose="020B0604020202020204" pitchFamily="34" charset="0"/>
-              <a:cs typeface="Arial" panose="020B0604020202020204" pitchFamily="34" charset="0"/>
-            </a:endParaRPr>
+              <a:t>a partir de</a:t>
+            </a:r>
           </a:p>
         </p:txBody>
       </p:sp>
       <p:cxnSp>
         <p:nvCxnSpPr>
           <p:cNvPr id="68" name="Conector angular 67"/>
-          <p:cNvCxnSpPr/>
+          <p:cNvCxnSpPr>
+            <a:stCxn id="44" idx="2"/>
+            <a:endCxn id="67" idx="0"/>
+          </p:cNvCxnSpPr>
           <p:nvPr/>
         </p:nvCxnSpPr>
         <p:spPr>
           <a:xfrm rot="16200000" flipH="1">
-            <a:off x="2479488" y="2138751"/>
-            <a:ext cx="143871" cy="9474"/>
+            <a:off x="2842856" y="2122594"/>
+            <a:ext cx="102267" cy="182"/>
           </a:xfrm>
           <a:prstGeom prst="bentConnector3">
             <a:avLst>
@@ -1461,8 +1352,8 @@
         </p:nvSpPr>
         <p:spPr>
           <a:xfrm>
-            <a:off x="2021929" y="2563162"/>
-            <a:ext cx="1122431" cy="343441"/>
+            <a:off x="2276742" y="2524766"/>
+            <a:ext cx="1234674" cy="343441"/>
           </a:xfrm>
           <a:prstGeom prst="rect">
             <a:avLst/>
@@ -1505,25 +1396,8 @@
                 <a:latin typeface="Arial" panose="020B0604020202020204" pitchFamily="34" charset="0"/>
                 <a:cs typeface="Arial" panose="020B0604020202020204" pitchFamily="34" charset="0"/>
               </a:rPr>
-              <a:t>l</a:t>
-            </a:r>
-            <a:r>
-              <a:rPr lang="es-ES" sz="900" dirty="0" smtClean="0">
-                <a:solidFill>
-                  <a:schemeClr val="tx1"/>
-                </a:solidFill>
-                <a:latin typeface="Arial" panose="020B0604020202020204" pitchFamily="34" charset="0"/>
-                <a:cs typeface="Arial" panose="020B0604020202020204" pitchFamily="34" charset="0"/>
-              </a:rPr>
-              <a:t>a población y la muestra</a:t>
-            </a:r>
-            <a:endParaRPr lang="es-ES" sz="900" dirty="0">
-              <a:solidFill>
-                <a:schemeClr val="tx1"/>
-              </a:solidFill>
-              <a:latin typeface="Arial" panose="020B0604020202020204" pitchFamily="34" charset="0"/>
-              <a:cs typeface="Arial" panose="020B0604020202020204" pitchFamily="34" charset="0"/>
-            </a:endParaRPr>
+              <a:t>la población y la muestra</a:t>
+            </a:r>
           </a:p>
         </p:txBody>
       </p:sp>
@@ -1535,7 +1409,7 @@
         </p:nvSpPr>
         <p:spPr>
           <a:xfrm>
-            <a:off x="2048069" y="3322259"/>
+            <a:off x="2332682" y="3322259"/>
             <a:ext cx="1122431" cy="465193"/>
           </a:xfrm>
           <a:prstGeom prst="rect">
@@ -1570,16 +1444,6 @@
           <a:p>
             <a:pPr algn="ctr"/>
             <a:r>
-              <a:rPr lang="es-ES" sz="900" dirty="0" smtClean="0">
-                <a:solidFill>
-                  <a:schemeClr val="tx1"/>
-                </a:solidFill>
-                <a:latin typeface="Arial" panose="020B0604020202020204" pitchFamily="34" charset="0"/>
-                <a:cs typeface="Arial" panose="020B0604020202020204" pitchFamily="34" charset="0"/>
-              </a:rPr>
-              <a:t>variables </a:t>
-            </a:r>
-            <a:r>
               <a:rPr lang="es-ES" sz="900" dirty="0">
                 <a:solidFill>
                   <a:schemeClr val="tx1"/>
@@ -1587,17 +1451,7 @@
                 <a:latin typeface="Arial" panose="020B0604020202020204" pitchFamily="34" charset="0"/>
                 <a:cs typeface="Arial" panose="020B0604020202020204" pitchFamily="34" charset="0"/>
               </a:rPr>
-              <a:t>c</a:t>
-            </a:r>
-            <a:r>
-              <a:rPr lang="es-ES" sz="900" dirty="0" smtClean="0">
-                <a:solidFill>
-                  <a:schemeClr val="tx1"/>
-                </a:solidFill>
-                <a:latin typeface="Arial" panose="020B0604020202020204" pitchFamily="34" charset="0"/>
-                <a:cs typeface="Arial" panose="020B0604020202020204" pitchFamily="34" charset="0"/>
-              </a:rPr>
-              <a:t>ualitativas</a:t>
+              <a:t>variables cualitativas</a:t>
             </a:r>
           </a:p>
           <a:p>
@@ -1610,25 +1464,8 @@
                 <a:latin typeface="Arial" panose="020B0604020202020204" pitchFamily="34" charset="0"/>
                 <a:cs typeface="Arial" panose="020B0604020202020204" pitchFamily="34" charset="0"/>
               </a:rPr>
-              <a:t>y</a:t>
-            </a:r>
-            <a:r>
-              <a:rPr lang="es-ES" sz="900" dirty="0" smtClean="0">
-                <a:solidFill>
-                  <a:schemeClr val="tx1"/>
-                </a:solidFill>
-                <a:latin typeface="Arial" panose="020B0604020202020204" pitchFamily="34" charset="0"/>
-                <a:cs typeface="Arial" panose="020B0604020202020204" pitchFamily="34" charset="0"/>
-              </a:rPr>
-              <a:t> cuantitativas </a:t>
-            </a:r>
-            <a:endParaRPr lang="es-ES" sz="900" dirty="0">
-              <a:solidFill>
-                <a:schemeClr val="tx1"/>
-              </a:solidFill>
-              <a:latin typeface="Arial" panose="020B0604020202020204" pitchFamily="34" charset="0"/>
-              <a:cs typeface="Arial" panose="020B0604020202020204" pitchFamily="34" charset="0"/>
-            </a:endParaRPr>
+              <a:t>y cuantitativas </a:t>
+            </a:r>
           </a:p>
         </p:txBody>
       </p:sp>
@@ -1640,8 +1477,8 @@
         </p:nvSpPr>
         <p:spPr>
           <a:xfrm>
-            <a:off x="1608155" y="4309933"/>
-            <a:ext cx="1118927" cy="353519"/>
+            <a:off x="926978" y="4552220"/>
+            <a:ext cx="1230820" cy="367222"/>
           </a:xfrm>
           <a:prstGeom prst="rect">
             <a:avLst/>
@@ -1682,25 +1519,8 @@
                 <a:latin typeface="Arial" panose="020B0604020202020204" pitchFamily="34" charset="0"/>
                 <a:cs typeface="Arial" panose="020B0604020202020204" pitchFamily="34" charset="0"/>
               </a:rPr>
-              <a:t>g</a:t>
-            </a:r>
-            <a:r>
-              <a:rPr lang="es-ES" sz="900" dirty="0" smtClean="0">
-                <a:solidFill>
-                  <a:schemeClr val="tx1"/>
-                </a:solidFill>
-                <a:latin typeface="Arial" panose="020B0604020202020204" pitchFamily="34" charset="0"/>
-                <a:cs typeface="Arial" panose="020B0604020202020204" pitchFamily="34" charset="0"/>
-              </a:rPr>
-              <a:t>raficas</a:t>
-            </a:r>
-            <a:endParaRPr lang="es-ES" sz="900" dirty="0">
-              <a:solidFill>
-                <a:schemeClr val="tx1"/>
-              </a:solidFill>
-              <a:latin typeface="Arial" panose="020B0604020202020204" pitchFamily="34" charset="0"/>
-              <a:cs typeface="Arial" panose="020B0604020202020204" pitchFamily="34" charset="0"/>
-            </a:endParaRPr>
+              <a:t>graficas</a:t>
+            </a:r>
           </a:p>
         </p:txBody>
       </p:sp>
@@ -1712,8 +1532,8 @@
         </p:nvSpPr>
         <p:spPr>
           <a:xfrm>
-            <a:off x="2010634" y="3043278"/>
-            <a:ext cx="1117174" cy="230832"/>
+            <a:off x="2550623" y="2980758"/>
+            <a:ext cx="693677" cy="230832"/>
           </a:xfrm>
           <a:prstGeom prst="rect">
             <a:avLst/>
@@ -1728,29 +1548,28 @@
           <a:p>
             <a:pPr algn="ctr"/>
             <a:r>
-              <a:rPr lang="es-ES" sz="900" dirty="0" smtClean="0">
+              <a:rPr lang="es-ES" sz="900" dirty="0">
                 <a:latin typeface="Arial" panose="020B0604020202020204" pitchFamily="34" charset="0"/>
                 <a:cs typeface="Arial" panose="020B0604020202020204" pitchFamily="34" charset="0"/>
               </a:rPr>
               <a:t>estudia </a:t>
             </a:r>
-            <a:endParaRPr lang="es-ES" sz="900" dirty="0">
-              <a:latin typeface="Arial" panose="020B0604020202020204" pitchFamily="34" charset="0"/>
-              <a:cs typeface="Arial" panose="020B0604020202020204" pitchFamily="34" charset="0"/>
-            </a:endParaRPr>
           </a:p>
         </p:txBody>
       </p:sp>
       <p:cxnSp>
         <p:nvCxnSpPr>
           <p:cNvPr id="76" name="Conector angular 75"/>
-          <p:cNvCxnSpPr/>
+          <p:cNvCxnSpPr>
+            <a:stCxn id="67" idx="2"/>
+            <a:endCxn id="72" idx="0"/>
+          </p:cNvCxnSpPr>
           <p:nvPr/>
         </p:nvCxnSpPr>
         <p:spPr>
-          <a:xfrm rot="16200000" flipH="1">
-            <a:off x="2400168" y="2523874"/>
-            <a:ext cx="299785" cy="13930"/>
+          <a:xfrm rot="5400000">
+            <a:off x="2834023" y="2464708"/>
+            <a:ext cx="120115" cy="1"/>
           </a:xfrm>
           <a:prstGeom prst="bentConnector3">
             <a:avLst>
@@ -1781,13 +1600,16 @@
       <p:cxnSp>
         <p:nvCxnSpPr>
           <p:cNvPr id="79" name="Conector angular 78"/>
-          <p:cNvCxnSpPr/>
+          <p:cNvCxnSpPr>
+            <a:stCxn id="72" idx="2"/>
+            <a:endCxn id="75" idx="0"/>
+          </p:cNvCxnSpPr>
           <p:nvPr/>
         </p:nvCxnSpPr>
         <p:spPr>
-          <a:xfrm rot="5400000">
-            <a:off x="2477895" y="2967506"/>
-            <a:ext cx="166153" cy="44350"/>
+          <a:xfrm rot="16200000" flipH="1">
+            <a:off x="2839495" y="2922790"/>
+            <a:ext cx="112551" cy="3383"/>
           </a:xfrm>
           <a:prstGeom prst="bentConnector3">
             <a:avLst>
@@ -1825,9 +1647,9 @@
           <p:nvPr/>
         </p:nvCxnSpPr>
         <p:spPr>
-          <a:xfrm rot="16200000" flipH="1">
-            <a:off x="2565179" y="3278152"/>
-            <a:ext cx="48149" cy="40064"/>
+          <a:xfrm rot="5400000">
+            <a:off x="2840346" y="3265142"/>
+            <a:ext cx="110669" cy="3564"/>
           </a:xfrm>
           <a:prstGeom prst="bentConnector3">
             <a:avLst>
@@ -1863,8 +1685,8 @@
         </p:nvSpPr>
         <p:spPr>
           <a:xfrm>
-            <a:off x="2115133" y="3829352"/>
-            <a:ext cx="1117174" cy="369332"/>
+            <a:off x="2399742" y="3938195"/>
+            <a:ext cx="992637" cy="369332"/>
           </a:xfrm>
           <a:prstGeom prst="rect">
             <a:avLst/>
@@ -1883,19 +1705,8 @@
                 <a:latin typeface="Arial" panose="020B0604020202020204" pitchFamily="34" charset="0"/>
                 <a:cs typeface="Arial" panose="020B0604020202020204" pitchFamily="34" charset="0"/>
               </a:rPr>
-              <a:t>s</a:t>
-            </a:r>
-            <a:r>
-              <a:rPr lang="es-ES" sz="900" dirty="0" smtClean="0">
-                <a:latin typeface="Arial" panose="020B0604020202020204" pitchFamily="34" charset="0"/>
-                <a:cs typeface="Arial" panose="020B0604020202020204" pitchFamily="34" charset="0"/>
-              </a:rPr>
-              <a:t>e caracterizan con</a:t>
-            </a:r>
-            <a:endParaRPr lang="es-ES" sz="900" dirty="0">
-              <a:latin typeface="Arial" panose="020B0604020202020204" pitchFamily="34" charset="0"/>
-              <a:cs typeface="Arial" panose="020B0604020202020204" pitchFamily="34" charset="0"/>
-            </a:endParaRPr>
+              <a:t>se caracterizan con</a:t>
+            </a:r>
           </a:p>
         </p:txBody>
       </p:sp>
@@ -1910,8 +1721,8 @@
         </p:nvCxnSpPr>
         <p:spPr>
           <a:xfrm rot="16200000" flipH="1">
-            <a:off x="2620552" y="3776184"/>
-            <a:ext cx="41900" cy="64435"/>
+            <a:off x="2819608" y="3861741"/>
+            <a:ext cx="150743" cy="2163"/>
           </a:xfrm>
           <a:prstGeom prst="bentConnector3">
             <a:avLst>
@@ -1947,8 +1758,8 @@
         </p:nvSpPr>
         <p:spPr>
           <a:xfrm>
-            <a:off x="1044108" y="5175568"/>
-            <a:ext cx="1746888" cy="469708"/>
+            <a:off x="945844" y="5417849"/>
+            <a:ext cx="1193148" cy="469708"/>
           </a:xfrm>
           <a:prstGeom prst="rect">
             <a:avLst/>
@@ -1982,32 +1793,6 @@
           <a:p>
             <a:pPr algn="ctr"/>
             <a:r>
-              <a:rPr lang="es-ES" sz="900" dirty="0" smtClean="0">
-                <a:solidFill>
-                  <a:schemeClr val="tx1"/>
-                </a:solidFill>
-                <a:latin typeface="Arial" panose="020B0604020202020204" pitchFamily="34" charset="0"/>
-                <a:cs typeface="Arial" panose="020B0604020202020204" pitchFamily="34" charset="0"/>
-              </a:rPr>
-              <a:t>diagrama de barras</a:t>
-            </a:r>
-          </a:p>
-          <a:p>
-            <a:pPr algn="ctr"/>
-            <a:r>
-              <a:rPr lang="es-ES" sz="900" dirty="0" smtClean="0">
-                <a:solidFill>
-                  <a:schemeClr val="tx1"/>
-                </a:solidFill>
-                <a:latin typeface="Arial" panose="020B0604020202020204" pitchFamily="34" charset="0"/>
-                <a:cs typeface="Arial" panose="020B0604020202020204" pitchFamily="34" charset="0"/>
-              </a:rPr>
-              <a:t>pictograma </a:t>
-            </a:r>
-          </a:p>
-          <a:p>
-            <a:pPr algn="ctr"/>
-            <a:r>
               <a:rPr lang="es-ES" sz="900" dirty="0">
                 <a:solidFill>
                   <a:schemeClr val="tx1"/>
@@ -2015,25 +1800,34 @@
                 <a:latin typeface="Arial" panose="020B0604020202020204" pitchFamily="34" charset="0"/>
                 <a:cs typeface="Arial" panose="020B0604020202020204" pitchFamily="34" charset="0"/>
               </a:rPr>
-              <a:t>d</a:t>
-            </a:r>
-            <a:r>
-              <a:rPr lang="es-ES" sz="900" dirty="0" smtClean="0">
+              <a:t>diagrama de barras</a:t>
+            </a:r>
+          </a:p>
+          <a:p>
+            <a:pPr algn="ctr"/>
+            <a:r>
+              <a:rPr lang="es-ES" sz="900" dirty="0">
                 <a:solidFill>
                   <a:schemeClr val="tx1"/>
                 </a:solidFill>
                 <a:latin typeface="Arial" panose="020B0604020202020204" pitchFamily="34" charset="0"/>
                 <a:cs typeface="Arial" panose="020B0604020202020204" pitchFamily="34" charset="0"/>
               </a:rPr>
-              <a:t>iagrama circular</a:t>
-            </a:r>
-            <a:endParaRPr lang="es-ES" sz="900" dirty="0">
-              <a:solidFill>
-                <a:schemeClr val="tx1"/>
-              </a:solidFill>
-              <a:latin typeface="Arial" panose="020B0604020202020204" pitchFamily="34" charset="0"/>
-              <a:cs typeface="Arial" panose="020B0604020202020204" pitchFamily="34" charset="0"/>
-            </a:endParaRPr>
+              <a:t>pictograma </a:t>
+            </a:r>
+          </a:p>
+          <a:p>
+            <a:pPr algn="ctr"/>
+            <a:r>
+              <a:rPr lang="es-ES" sz="900" dirty="0">
+                <a:solidFill>
+                  <a:schemeClr val="tx1"/>
+                </a:solidFill>
+                <a:latin typeface="Arial" panose="020B0604020202020204" pitchFamily="34" charset="0"/>
+                <a:cs typeface="Arial" panose="020B0604020202020204" pitchFamily="34" charset="0"/>
+              </a:rPr>
+              <a:t>diagrama circular</a:t>
+            </a:r>
           </a:p>
         </p:txBody>
       </p:sp>
@@ -2045,8 +1839,8 @@
         </p:nvSpPr>
         <p:spPr>
           <a:xfrm>
-            <a:off x="1260267" y="4812609"/>
-            <a:ext cx="1117174" cy="230832"/>
+            <a:off x="1083681" y="5047075"/>
+            <a:ext cx="923285" cy="230832"/>
           </a:xfrm>
           <a:prstGeom prst="rect">
             <a:avLst/>
@@ -2061,16 +1855,12 @@
           <a:p>
             <a:pPr algn="ctr"/>
             <a:r>
-              <a:rPr lang="es-ES" sz="900" dirty="0" smtClean="0">
+              <a:rPr lang="es-ES" sz="900" dirty="0">
                 <a:latin typeface="Arial" panose="020B0604020202020204" pitchFamily="34" charset="0"/>
                 <a:cs typeface="Arial" panose="020B0604020202020204" pitchFamily="34" charset="0"/>
               </a:rPr>
               <a:t>como</a:t>
             </a:r>
-            <a:endParaRPr lang="es-ES" sz="900" dirty="0">
-              <a:latin typeface="Arial" panose="020B0604020202020204" pitchFamily="34" charset="0"/>
-              <a:cs typeface="Arial" panose="020B0604020202020204" pitchFamily="34" charset="0"/>
-            </a:endParaRPr>
           </a:p>
         </p:txBody>
       </p:sp>
@@ -2078,17 +1868,20 @@
         <p:nvCxnSpPr>
           <p:cNvPr id="245" name="Conector angular 244"/>
           <p:cNvCxnSpPr>
+            <a:stCxn id="243" idx="0"/>
             <a:endCxn id="74" idx="2"/>
           </p:cNvCxnSpPr>
           <p:nvPr/>
         </p:nvCxnSpPr>
         <p:spPr>
-          <a:xfrm flipV="1">
-            <a:off x="1859076" y="4663452"/>
-            <a:ext cx="308543" cy="111249"/>
-          </a:xfrm>
-          <a:prstGeom prst="bentConnector2">
-            <a:avLst/>
+          <a:xfrm rot="16200000" flipV="1">
+            <a:off x="1480040" y="4981791"/>
+            <a:ext cx="127633" cy="2936"/>
+          </a:xfrm>
+          <a:prstGeom prst="bentConnector3">
+            <a:avLst>
+              <a:gd name="adj1" fmla="val 50000"/>
+            </a:avLst>
           </a:prstGeom>
           <a:ln w="12700">
             <a:solidFill>
@@ -2114,13 +1907,16 @@
       <p:cxnSp>
         <p:nvCxnSpPr>
           <p:cNvPr id="248" name="Conector angular 247"/>
-          <p:cNvCxnSpPr/>
+          <p:cNvCxnSpPr>
+            <a:stCxn id="211" idx="0"/>
+            <a:endCxn id="243" idx="2"/>
+          </p:cNvCxnSpPr>
           <p:nvPr/>
         </p:nvCxnSpPr>
         <p:spPr>
           <a:xfrm rot="5400000" flipH="1" flipV="1">
-            <a:off x="1601722" y="5049878"/>
-            <a:ext cx="223567" cy="210697"/>
+            <a:off x="1473900" y="5346425"/>
+            <a:ext cx="139942" cy="2906"/>
           </a:xfrm>
           <a:prstGeom prst="bentConnector3">
             <a:avLst>
@@ -2150,53 +1946,17 @@
       </p:cxnSp>
       <p:cxnSp>
         <p:nvCxnSpPr>
-          <p:cNvPr id="132" name="Conector angular 131"/>
+          <p:cNvPr id="290" name="Conector angular 289"/>
           <p:cNvCxnSpPr>
-            <a:endCxn id="5" idx="0"/>
+            <a:stCxn id="133" idx="2"/>
+            <a:endCxn id="74" idx="0"/>
           </p:cNvCxnSpPr>
           <p:nvPr/>
         </p:nvCxnSpPr>
         <p:spPr>
-          <a:xfrm rot="16200000" flipH="1">
-            <a:off x="2455925" y="690814"/>
-            <a:ext cx="65734" cy="1157"/>
-          </a:xfrm>
-          <a:prstGeom prst="bentConnector3">
-            <a:avLst>
-              <a:gd name="adj1" fmla="val 50000"/>
-            </a:avLst>
-          </a:prstGeom>
-          <a:ln w="12700">
-            <a:solidFill>
-              <a:schemeClr val="tx1"/>
-            </a:solidFill>
-          </a:ln>
-        </p:spPr>
-        <p:style>
-          <a:lnRef idx="1">
-            <a:schemeClr val="accent1"/>
-          </a:lnRef>
-          <a:fillRef idx="0">
-            <a:schemeClr val="accent1"/>
-          </a:fillRef>
-          <a:effectRef idx="0">
-            <a:schemeClr val="accent1"/>
-          </a:effectRef>
-          <a:fontRef idx="minor">
-            <a:schemeClr val="tx1"/>
-          </a:fontRef>
-        </p:style>
-      </p:cxnSp>
-      <p:cxnSp>
-        <p:nvCxnSpPr>
-          <p:cNvPr id="290" name="Conector angular 289"/>
-          <p:cNvCxnSpPr/>
-          <p:nvPr/>
-        </p:nvCxnSpPr>
-        <p:spPr>
           <a:xfrm rot="5400000">
-            <a:off x="2411887" y="3893453"/>
-            <a:ext cx="152651" cy="610466"/>
+            <a:off x="2096879" y="3753037"/>
+            <a:ext cx="244693" cy="1353673"/>
           </a:xfrm>
           <a:prstGeom prst="bentConnector3">
             <a:avLst>
@@ -2232,8 +1992,8 @@
         </p:nvSpPr>
         <p:spPr>
           <a:xfrm>
-            <a:off x="7001637" y="685070"/>
-            <a:ext cx="1124746" cy="439782"/>
+            <a:off x="6189643" y="685184"/>
+            <a:ext cx="1360943" cy="439782"/>
           </a:xfrm>
           <a:prstGeom prst="rect">
             <a:avLst/>
@@ -2274,16 +2034,12 @@
           <a:p>
             <a:pPr algn="ctr"/>
             <a:r>
-              <a:rPr lang="es-ES" sz="1200" b="1" dirty="0" smtClean="0">
+              <a:rPr lang="es-ES" sz="1200" b="1" dirty="0">
                 <a:latin typeface="Arial" panose="020B0604020202020204" pitchFamily="34" charset="0"/>
                 <a:cs typeface="Arial" panose="020B0604020202020204" pitchFamily="34" charset="0"/>
               </a:rPr>
               <a:t>Probabilidad</a:t>
             </a:r>
-            <a:endParaRPr lang="es-ES" sz="1200" b="1" dirty="0">
-              <a:latin typeface="Arial" panose="020B0604020202020204" pitchFamily="34" charset="0"/>
-              <a:cs typeface="Arial" panose="020B0604020202020204" pitchFamily="34" charset="0"/>
-            </a:endParaRPr>
           </a:p>
         </p:txBody>
       </p:sp>
@@ -2292,16 +2048,19 @@
           <p:cNvPr id="336" name="Conector angular 335"/>
           <p:cNvCxnSpPr>
             <a:stCxn id="4" idx="2"/>
+            <a:endCxn id="335" idx="0"/>
           </p:cNvCxnSpPr>
           <p:nvPr/>
         </p:nvCxnSpPr>
         <p:spPr>
           <a:xfrm rot="16200000" flipH="1">
-            <a:off x="6087309" y="-904577"/>
-            <a:ext cx="139830" cy="2811255"/>
-          </a:xfrm>
-          <a:prstGeom prst="bentConnector2">
-            <a:avLst/>
+            <a:off x="5683832" y="-501099"/>
+            <a:ext cx="254048" cy="2118518"/>
+          </a:xfrm>
+          <a:prstGeom prst="bentConnector3">
+            <a:avLst>
+              <a:gd name="adj1" fmla="val 50000"/>
+            </a:avLst>
           </a:prstGeom>
           <a:ln w="12700">
             <a:solidFill>
@@ -2332,7 +2091,7 @@
         </p:nvSpPr>
         <p:spPr>
           <a:xfrm>
-            <a:off x="6992085" y="1249622"/>
+            <a:off x="6308898" y="1220246"/>
             <a:ext cx="1122431" cy="230832"/>
           </a:xfrm>
           <a:prstGeom prst="rect">
@@ -2348,16 +2107,12 @@
           <a:p>
             <a:pPr algn="ctr"/>
             <a:r>
-              <a:rPr lang="es-ES" sz="900" dirty="0" smtClean="0">
+              <a:rPr lang="es-ES" sz="900" dirty="0">
                 <a:latin typeface="Arial" panose="020B0604020202020204" pitchFamily="34" charset="0"/>
                 <a:cs typeface="Arial" panose="020B0604020202020204" pitchFamily="34" charset="0"/>
               </a:rPr>
               <a:t>permite</a:t>
             </a:r>
-            <a:endParaRPr lang="es-ES" sz="900" dirty="0">
-              <a:latin typeface="Arial" panose="020B0604020202020204" pitchFamily="34" charset="0"/>
-              <a:cs typeface="Arial" panose="020B0604020202020204" pitchFamily="34" charset="0"/>
-            </a:endParaRPr>
           </a:p>
         </p:txBody>
       </p:sp>
@@ -2372,8 +2127,8 @@
         </p:nvCxnSpPr>
         <p:spPr>
           <a:xfrm rot="5400000">
-            <a:off x="7496271" y="1181883"/>
-            <a:ext cx="124770" cy="10709"/>
+            <a:off x="6822475" y="1172606"/>
+            <a:ext cx="95280" cy="1"/>
           </a:xfrm>
           <a:prstGeom prst="bentConnector3">
             <a:avLst>
@@ -2409,8 +2164,8 @@
         </p:nvSpPr>
         <p:spPr>
           <a:xfrm>
-            <a:off x="6870114" y="1590411"/>
-            <a:ext cx="1389246" cy="611948"/>
+            <a:off x="6175490" y="1533925"/>
+            <a:ext cx="1389246" cy="556316"/>
           </a:xfrm>
           <a:prstGeom prst="rect">
             <a:avLst/>
@@ -2453,25 +2208,8 @@
                 <a:latin typeface="Arial" panose="020B0604020202020204" pitchFamily="34" charset="0"/>
                 <a:cs typeface="Arial" panose="020B0604020202020204" pitchFamily="34" charset="0"/>
               </a:rPr>
-              <a:t>t</a:t>
-            </a:r>
-            <a:r>
-              <a:rPr lang="es-ES" sz="1050" dirty="0" smtClean="0">
-                <a:solidFill>
-                  <a:schemeClr val="bg1"/>
-                </a:solidFill>
-                <a:latin typeface="Arial" panose="020B0604020202020204" pitchFamily="34" charset="0"/>
-                <a:cs typeface="Arial" panose="020B0604020202020204" pitchFamily="34" charset="0"/>
-              </a:rPr>
-              <a:t>omar decisiones en situaciones de incertidumbre</a:t>
-            </a:r>
-            <a:endParaRPr lang="es-ES" sz="1050" dirty="0">
-              <a:solidFill>
-                <a:schemeClr val="bg1"/>
-              </a:solidFill>
-              <a:latin typeface="Arial" panose="020B0604020202020204" pitchFamily="34" charset="0"/>
-              <a:cs typeface="Arial" panose="020B0604020202020204" pitchFamily="34" charset="0"/>
-            </a:endParaRPr>
+              <a:t>tomar decisiones en situaciones de incertidumbre</a:t>
+            </a:r>
           </a:p>
         </p:txBody>
       </p:sp>
@@ -2485,9 +2223,9 @@
           <p:nvPr/>
         </p:nvCxnSpPr>
         <p:spPr>
-          <a:xfrm rot="16200000" flipH="1">
-            <a:off x="7504041" y="1529714"/>
-            <a:ext cx="109957" cy="11436"/>
+          <a:xfrm rot="5400000">
+            <a:off x="6828691" y="1492501"/>
+            <a:ext cx="82847" cy="1"/>
           </a:xfrm>
           <a:prstGeom prst="bentConnector3">
             <a:avLst>
@@ -2523,7 +2261,7 @@
         </p:nvSpPr>
         <p:spPr>
           <a:xfrm>
-            <a:off x="7451036" y="2372178"/>
+            <a:off x="6311808" y="2178024"/>
             <a:ext cx="1117174" cy="230836"/>
           </a:xfrm>
           <a:prstGeom prst="rect">
@@ -2543,32 +2281,24 @@
                 <a:latin typeface="Arial" panose="020B0604020202020204" pitchFamily="34" charset="0"/>
                 <a:cs typeface="Arial" panose="020B0604020202020204" pitchFamily="34" charset="0"/>
               </a:rPr>
-              <a:t>p</a:t>
-            </a:r>
-            <a:r>
-              <a:rPr lang="es-ES" sz="900" dirty="0" smtClean="0">
-                <a:latin typeface="Arial" panose="020B0604020202020204" pitchFamily="34" charset="0"/>
-                <a:cs typeface="Arial" panose="020B0604020202020204" pitchFamily="34" charset="0"/>
-              </a:rPr>
-              <a:t>or medio</a:t>
-            </a:r>
-            <a:endParaRPr lang="es-ES" sz="900" dirty="0">
-              <a:latin typeface="Arial" panose="020B0604020202020204" pitchFamily="34" charset="0"/>
-              <a:cs typeface="Arial" panose="020B0604020202020204" pitchFamily="34" charset="0"/>
-            </a:endParaRPr>
+              <a:t>por medio</a:t>
+            </a:r>
           </a:p>
         </p:txBody>
       </p:sp>
       <p:cxnSp>
         <p:nvCxnSpPr>
           <p:cNvPr id="342" name="Conector angular 341"/>
-          <p:cNvCxnSpPr/>
+          <p:cNvCxnSpPr>
+            <a:stCxn id="339" idx="2"/>
+            <a:endCxn id="341" idx="0"/>
+          </p:cNvCxnSpPr>
           <p:nvPr/>
         </p:nvCxnSpPr>
         <p:spPr>
           <a:xfrm rot="16200000" flipH="1">
-            <a:off x="7702272" y="2064826"/>
-            <a:ext cx="222071" cy="392634"/>
+            <a:off x="6826363" y="2133991"/>
+            <a:ext cx="87783" cy="282"/>
           </a:xfrm>
           <a:prstGeom prst="bentConnector3">
             <a:avLst>
@@ -2604,7 +2334,7 @@
         </p:nvSpPr>
         <p:spPr>
           <a:xfrm>
-            <a:off x="7449284" y="2746043"/>
+            <a:off x="6310056" y="2551889"/>
             <a:ext cx="1122431" cy="343441"/>
           </a:xfrm>
           <a:prstGeom prst="rect">
@@ -2648,38 +2378,21 @@
                 <a:latin typeface="Arial" panose="020B0604020202020204" pitchFamily="34" charset="0"/>
                 <a:cs typeface="Arial" panose="020B0604020202020204" pitchFamily="34" charset="0"/>
               </a:rPr>
-              <a:t>e</a:t>
-            </a:r>
-            <a:r>
-              <a:rPr lang="es-ES" sz="900" dirty="0" smtClean="0">
+              <a:t>experimentos </a:t>
+            </a:r>
+          </a:p>
+          <a:p>
+            <a:pPr algn="ctr"/>
+            <a:r>
+              <a:rPr lang="es-ES" sz="900" dirty="0">
                 <a:solidFill>
                   <a:schemeClr val="tx1"/>
                 </a:solidFill>
                 <a:latin typeface="Arial" panose="020B0604020202020204" pitchFamily="34" charset="0"/>
                 <a:cs typeface="Arial" panose="020B0604020202020204" pitchFamily="34" charset="0"/>
               </a:rPr>
-              <a:t>xperimentos </a:t>
-            </a:r>
-          </a:p>
-          <a:p>
-            <a:pPr algn="ctr"/>
-            <a:r>
-              <a:rPr lang="es-ES" sz="900" dirty="0" smtClean="0">
-                <a:solidFill>
-                  <a:schemeClr val="tx1"/>
-                </a:solidFill>
-                <a:latin typeface="Arial" panose="020B0604020202020204" pitchFamily="34" charset="0"/>
-                <a:cs typeface="Arial" panose="020B0604020202020204" pitchFamily="34" charset="0"/>
-              </a:rPr>
               <a:t>aleatorios</a:t>
             </a:r>
-            <a:endParaRPr lang="es-ES" sz="900" dirty="0">
-              <a:solidFill>
-                <a:schemeClr val="tx1"/>
-              </a:solidFill>
-              <a:latin typeface="Arial" panose="020B0604020202020204" pitchFamily="34" charset="0"/>
-              <a:cs typeface="Arial" panose="020B0604020202020204" pitchFamily="34" charset="0"/>
-            </a:endParaRPr>
           </a:p>
         </p:txBody>
       </p:sp>
@@ -2691,7 +2404,7 @@
         </p:nvSpPr>
         <p:spPr>
           <a:xfrm>
-            <a:off x="7449284" y="3609642"/>
+            <a:off x="6310056" y="3415488"/>
             <a:ext cx="1122431" cy="353519"/>
           </a:xfrm>
           <a:prstGeom prst="rect">
@@ -2733,25 +2446,8 @@
                 <a:latin typeface="Arial" panose="020B0604020202020204" pitchFamily="34" charset="0"/>
                 <a:cs typeface="Arial" panose="020B0604020202020204" pitchFamily="34" charset="0"/>
               </a:rPr>
-              <a:t>e</a:t>
-            </a:r>
-            <a:r>
-              <a:rPr lang="es-ES" sz="900" dirty="0" smtClean="0">
-                <a:solidFill>
-                  <a:schemeClr val="tx1"/>
-                </a:solidFill>
-                <a:latin typeface="Arial" panose="020B0604020202020204" pitchFamily="34" charset="0"/>
-                <a:cs typeface="Arial" panose="020B0604020202020204" pitchFamily="34" charset="0"/>
-              </a:rPr>
-              <a:t>spacios muestrales</a:t>
-            </a:r>
-            <a:endParaRPr lang="es-ES" sz="900" dirty="0">
-              <a:solidFill>
-                <a:schemeClr val="tx1"/>
-              </a:solidFill>
-              <a:latin typeface="Arial" panose="020B0604020202020204" pitchFamily="34" charset="0"/>
-              <a:cs typeface="Arial" panose="020B0604020202020204" pitchFamily="34" charset="0"/>
-            </a:endParaRPr>
+              <a:t>espacios muestrales</a:t>
+            </a:r>
           </a:p>
         </p:txBody>
       </p:sp>
@@ -2763,7 +2459,7 @@
         </p:nvSpPr>
         <p:spPr>
           <a:xfrm>
-            <a:off x="7451036" y="4480051"/>
+            <a:off x="6311808" y="4285897"/>
             <a:ext cx="1118927" cy="353519"/>
           </a:xfrm>
           <a:prstGeom prst="rect">
@@ -2805,25 +2501,8 @@
                 <a:latin typeface="Arial" panose="020B0604020202020204" pitchFamily="34" charset="0"/>
                 <a:cs typeface="Arial" panose="020B0604020202020204" pitchFamily="34" charset="0"/>
               </a:rPr>
-              <a:t>s</a:t>
-            </a:r>
-            <a:r>
-              <a:rPr lang="es-ES" sz="900" dirty="0" smtClean="0">
-                <a:solidFill>
-                  <a:schemeClr val="tx1"/>
-                </a:solidFill>
-                <a:latin typeface="Arial" panose="020B0604020202020204" pitchFamily="34" charset="0"/>
-                <a:cs typeface="Arial" panose="020B0604020202020204" pitchFamily="34" charset="0"/>
-              </a:rPr>
-              <a:t>ucesos</a:t>
-            </a:r>
-            <a:endParaRPr lang="es-ES" sz="900" dirty="0">
-              <a:solidFill>
-                <a:schemeClr val="tx1"/>
-              </a:solidFill>
-              <a:latin typeface="Arial" panose="020B0604020202020204" pitchFamily="34" charset="0"/>
-              <a:cs typeface="Arial" panose="020B0604020202020204" pitchFamily="34" charset="0"/>
-            </a:endParaRPr>
+              <a:t>sucesos</a:t>
+            </a:r>
           </a:p>
         </p:txBody>
       </p:sp>
@@ -2835,7 +2514,7 @@
         </p:nvSpPr>
         <p:spPr>
           <a:xfrm>
-            <a:off x="7451037" y="3226159"/>
+            <a:off x="6311809" y="3032005"/>
             <a:ext cx="1117174" cy="230832"/>
           </a:xfrm>
           <a:prstGeom prst="rect">
@@ -2858,23 +2537,19 @@
               <a:t>q</a:t>
             </a:r>
             <a:r>
-              <a:rPr lang="es-ES" sz="900" dirty="0" err="1" smtClean="0">
+              <a:rPr lang="es-ES" sz="900" dirty="0" err="1">
                 <a:latin typeface="Arial" panose="020B0604020202020204" pitchFamily="34" charset="0"/>
                 <a:cs typeface="Arial" panose="020B0604020202020204" pitchFamily="34" charset="0"/>
               </a:rPr>
               <a:t>ue</a:t>
             </a:r>
             <a:r>
-              <a:rPr lang="es-ES" sz="900" dirty="0" smtClean="0">
+              <a:rPr lang="es-ES" sz="900" dirty="0">
                 <a:latin typeface="Arial" panose="020B0604020202020204" pitchFamily="34" charset="0"/>
                 <a:cs typeface="Arial" panose="020B0604020202020204" pitchFamily="34" charset="0"/>
               </a:rPr>
               <a:t> tienen</a:t>
             </a:r>
-            <a:endParaRPr lang="es-ES" sz="900" dirty="0">
-              <a:latin typeface="Arial" panose="020B0604020202020204" pitchFamily="34" charset="0"/>
-              <a:cs typeface="Arial" panose="020B0604020202020204" pitchFamily="34" charset="0"/>
-            </a:endParaRPr>
           </a:p>
         </p:txBody>
       </p:sp>
@@ -2889,7 +2564,7 @@
         </p:nvCxnSpPr>
         <p:spPr>
           <a:xfrm rot="16200000" flipH="1">
-            <a:off x="7938547" y="2674089"/>
+            <a:off x="6799319" y="2479935"/>
             <a:ext cx="143029" cy="877"/>
           </a:xfrm>
           <a:prstGeom prst="bentConnector3">
@@ -2929,7 +2604,7 @@
         </p:nvCxnSpPr>
         <p:spPr>
           <a:xfrm rot="5400000">
-            <a:off x="7941725" y="3157383"/>
+            <a:off x="6802497" y="2963229"/>
             <a:ext cx="136675" cy="876"/>
           </a:xfrm>
           <a:prstGeom prst="bentConnector3">
@@ -2969,7 +2644,7 @@
         </p:nvCxnSpPr>
         <p:spPr>
           <a:xfrm rot="16200000" flipH="1">
-            <a:off x="7933737" y="3532878"/>
+            <a:off x="6794509" y="3338724"/>
             <a:ext cx="152651" cy="876"/>
           </a:xfrm>
           <a:prstGeom prst="bentConnector3">
@@ -3006,7 +2681,7 @@
         </p:nvSpPr>
         <p:spPr>
           <a:xfrm>
-            <a:off x="7451036" y="4129800"/>
+            <a:off x="6311808" y="3935646"/>
             <a:ext cx="1117174" cy="230832"/>
           </a:xfrm>
           <a:prstGeom prst="rect">
@@ -3029,16 +2704,12 @@
               <a:t>y</a:t>
             </a:r>
             <a:r>
-              <a:rPr lang="es-ES" sz="900" dirty="0" smtClean="0">
+              <a:rPr lang="es-ES" sz="900" dirty="0">
                 <a:latin typeface="Arial" panose="020B0604020202020204" pitchFamily="34" charset="0"/>
                 <a:cs typeface="Arial" panose="020B0604020202020204" pitchFamily="34" charset="0"/>
               </a:rPr>
               <a:t> definen</a:t>
             </a:r>
-            <a:endParaRPr lang="es-ES" sz="900" dirty="0">
-              <a:latin typeface="Arial" panose="020B0604020202020204" pitchFamily="34" charset="0"/>
-              <a:cs typeface="Arial" panose="020B0604020202020204" pitchFamily="34" charset="0"/>
-            </a:endParaRPr>
           </a:p>
         </p:txBody>
       </p:sp>
@@ -3053,7 +2724,7 @@
         </p:nvCxnSpPr>
         <p:spPr>
           <a:xfrm rot="5400000">
-            <a:off x="7926743" y="4046042"/>
+            <a:off x="6787515" y="3851888"/>
             <a:ext cx="166639" cy="877"/>
           </a:xfrm>
           <a:prstGeom prst="bentConnector3">
@@ -3093,7 +2764,7 @@
         </p:nvCxnSpPr>
         <p:spPr>
           <a:xfrm rot="16200000" flipV="1">
-            <a:off x="7950353" y="4419903"/>
+            <a:off x="6811125" y="4225749"/>
             <a:ext cx="119419" cy="877"/>
           </a:xfrm>
           <a:prstGeom prst="bentConnector3">
@@ -3128,8 +2799,8 @@
         </p:nvSpPr>
         <p:spPr>
           <a:xfrm>
-            <a:off x="7464099" y="5254211"/>
-            <a:ext cx="1118927" cy="613136"/>
+            <a:off x="6309631" y="5161031"/>
+            <a:ext cx="1118927" cy="380709"/>
           </a:xfrm>
           <a:prstGeom prst="rect">
             <a:avLst/>
@@ -3170,17 +2841,7 @@
                 <a:latin typeface="Arial" panose="020B0604020202020204" pitchFamily="34" charset="0"/>
                 <a:cs typeface="Arial" panose="020B0604020202020204" pitchFamily="34" charset="0"/>
               </a:rPr>
-              <a:t>d</a:t>
-            </a:r>
-            <a:r>
-              <a:rPr lang="es-ES" sz="900" dirty="0" smtClean="0">
-                <a:solidFill>
-                  <a:schemeClr val="tx1"/>
-                </a:solidFill>
-                <a:latin typeface="Arial" panose="020B0604020202020204" pitchFamily="34" charset="0"/>
-                <a:cs typeface="Arial" panose="020B0604020202020204" pitchFamily="34" charset="0"/>
-              </a:rPr>
-              <a:t>eterminar su probabilidad</a:t>
+              <a:t>determinar su probabilidad</a:t>
             </a:r>
           </a:p>
         </p:txBody>
@@ -3193,7 +2854,7 @@
         </p:nvSpPr>
         <p:spPr>
           <a:xfrm>
-            <a:off x="7448126" y="4952944"/>
+            <a:off x="6308898" y="4758790"/>
             <a:ext cx="1120084" cy="230832"/>
           </a:xfrm>
           <a:prstGeom prst="rect">
@@ -3209,16 +2870,12 @@
           <a:p>
             <a:pPr algn="ctr"/>
             <a:r>
-              <a:rPr lang="es-ES" sz="900" dirty="0" smtClean="0">
+              <a:rPr lang="es-ES" sz="900" dirty="0">
                 <a:latin typeface="Arial" panose="020B0604020202020204" pitchFamily="34" charset="0"/>
                 <a:cs typeface="Arial" panose="020B0604020202020204" pitchFamily="34" charset="0"/>
               </a:rPr>
               <a:t>para</a:t>
             </a:r>
-            <a:endParaRPr lang="es-ES" sz="900" dirty="0">
-              <a:latin typeface="Arial" panose="020B0604020202020204" pitchFamily="34" charset="0"/>
-              <a:cs typeface="Arial" panose="020B0604020202020204" pitchFamily="34" charset="0"/>
-            </a:endParaRPr>
           </a:p>
         </p:txBody>
       </p:sp>
@@ -3232,7 +2889,7 @@
         </p:nvCxnSpPr>
         <p:spPr>
           <a:xfrm rot="5400000" flipH="1" flipV="1">
-            <a:off x="7930331" y="4912863"/>
+            <a:off x="6791103" y="4718709"/>
             <a:ext cx="159461" cy="877"/>
           </a:xfrm>
           <a:prstGeom prst="bentConnector3">
@@ -3272,47 +2929,8 @@
         </p:nvCxnSpPr>
         <p:spPr>
           <a:xfrm rot="16200000" flipV="1">
-            <a:off x="7980649" y="5211296"/>
-            <a:ext cx="70435" cy="15395"/>
-          </a:xfrm>
-          <a:prstGeom prst="bentConnector3">
-            <a:avLst>
-              <a:gd name="adj1" fmla="val 50000"/>
-            </a:avLst>
-          </a:prstGeom>
-          <a:ln w="12700">
-            <a:solidFill>
-              <a:schemeClr val="tx1"/>
-            </a:solidFill>
-          </a:ln>
-        </p:spPr>
-        <p:style>
-          <a:lnRef idx="1">
-            <a:schemeClr val="accent1"/>
-          </a:lnRef>
-          <a:fillRef idx="0">
-            <a:schemeClr val="accent1"/>
-          </a:fillRef>
-          <a:effectRef idx="0">
-            <a:schemeClr val="accent1"/>
-          </a:effectRef>
-          <a:fontRef idx="minor">
-            <a:schemeClr val="tx1"/>
-          </a:fontRef>
-        </p:style>
-      </p:cxnSp>
-      <p:cxnSp>
-        <p:nvCxnSpPr>
-          <p:cNvPr id="362" name="Conector angular 361"/>
-          <p:cNvCxnSpPr>
-            <a:endCxn id="335" idx="0"/>
-          </p:cNvCxnSpPr>
-          <p:nvPr/>
-        </p:nvCxnSpPr>
-        <p:spPr>
-          <a:xfrm rot="16200000" flipH="1">
-            <a:off x="7530564" y="651624"/>
-            <a:ext cx="65734" cy="1157"/>
+            <a:off x="6783314" y="5075249"/>
+            <a:ext cx="171409" cy="155"/>
           </a:xfrm>
           <a:prstGeom prst="bentConnector3">
             <a:avLst>
@@ -3348,8 +2966,8 @@
         </p:nvSpPr>
         <p:spPr>
           <a:xfrm>
-            <a:off x="2966363" y="4314931"/>
-            <a:ext cx="1118927" cy="353519"/>
+            <a:off x="2215830" y="4547163"/>
+            <a:ext cx="1353902" cy="372280"/>
           </a:xfrm>
           <a:prstGeom prst="rect">
             <a:avLst/>
@@ -3390,25 +3008,8 @@
                 <a:latin typeface="Arial" panose="020B0604020202020204" pitchFamily="34" charset="0"/>
                 <a:cs typeface="Arial" panose="020B0604020202020204" pitchFamily="34" charset="0"/>
               </a:rPr>
-              <a:t>t</a:t>
-            </a:r>
-            <a:r>
-              <a:rPr lang="es-ES" sz="900" dirty="0" smtClean="0">
-                <a:solidFill>
-                  <a:schemeClr val="tx1"/>
-                </a:solidFill>
-                <a:latin typeface="Arial" panose="020B0604020202020204" pitchFamily="34" charset="0"/>
-                <a:cs typeface="Arial" panose="020B0604020202020204" pitchFamily="34" charset="0"/>
-              </a:rPr>
-              <a:t>ablas</a:t>
-            </a:r>
-            <a:endParaRPr lang="es-ES" sz="900" dirty="0">
-              <a:solidFill>
-                <a:schemeClr val="tx1"/>
-              </a:solidFill>
-              <a:latin typeface="Arial" panose="020B0604020202020204" pitchFamily="34" charset="0"/>
-              <a:cs typeface="Arial" panose="020B0604020202020204" pitchFamily="34" charset="0"/>
-            </a:endParaRPr>
+              <a:t>tablas</a:t>
+            </a:r>
           </a:p>
         </p:txBody>
       </p:sp>
@@ -3420,8 +3021,8 @@
         </p:nvSpPr>
         <p:spPr>
           <a:xfrm>
-            <a:off x="3379632" y="4883797"/>
-            <a:ext cx="1117174" cy="230832"/>
+            <a:off x="2452764" y="5041678"/>
+            <a:ext cx="883291" cy="230832"/>
           </a:xfrm>
           <a:prstGeom prst="rect">
             <a:avLst/>
@@ -3436,16 +3037,12 @@
           <a:p>
             <a:pPr algn="ctr"/>
             <a:r>
-              <a:rPr lang="es-ES" sz="900" dirty="0" smtClean="0">
+              <a:rPr lang="es-ES" sz="900" dirty="0">
                 <a:latin typeface="Arial" panose="020B0604020202020204" pitchFamily="34" charset="0"/>
                 <a:cs typeface="Arial" panose="020B0604020202020204" pitchFamily="34" charset="0"/>
               </a:rPr>
               <a:t>de</a:t>
             </a:r>
-            <a:endParaRPr lang="es-ES" sz="900" dirty="0">
-              <a:latin typeface="Arial" panose="020B0604020202020204" pitchFamily="34" charset="0"/>
-              <a:cs typeface="Arial" panose="020B0604020202020204" pitchFamily="34" charset="0"/>
-            </a:endParaRPr>
           </a:p>
         </p:txBody>
       </p:sp>
@@ -3457,8 +3054,8 @@
         </p:nvSpPr>
         <p:spPr>
           <a:xfrm>
-            <a:off x="3434196" y="5267009"/>
-            <a:ext cx="1491912" cy="469708"/>
+            <a:off x="2213322" y="5413668"/>
+            <a:ext cx="1356284" cy="469708"/>
           </a:xfrm>
           <a:prstGeom prst="rect">
             <a:avLst/>
@@ -3499,17 +3096,7 @@
                 <a:latin typeface="Arial" panose="020B0604020202020204" pitchFamily="34" charset="0"/>
                 <a:cs typeface="Arial" panose="020B0604020202020204" pitchFamily="34" charset="0"/>
               </a:rPr>
-              <a:t>f</a:t>
-            </a:r>
-            <a:r>
-              <a:rPr lang="es-ES" sz="900" dirty="0" smtClean="0">
-                <a:solidFill>
-                  <a:schemeClr val="tx1"/>
-                </a:solidFill>
-                <a:latin typeface="Arial" panose="020B0604020202020204" pitchFamily="34" charset="0"/>
-                <a:cs typeface="Arial" panose="020B0604020202020204" pitchFamily="34" charset="0"/>
-              </a:rPr>
-              <a:t>recuencia absoluta</a:t>
+              <a:t>frecuencia absoluta</a:t>
             </a:r>
           </a:p>
           <a:p>
@@ -3522,17 +3109,7 @@
                 <a:latin typeface="Arial" panose="020B0604020202020204" pitchFamily="34" charset="0"/>
                 <a:cs typeface="Arial" panose="020B0604020202020204" pitchFamily="34" charset="0"/>
               </a:rPr>
-              <a:t>f</a:t>
-            </a:r>
-            <a:r>
-              <a:rPr lang="es-ES" sz="900" dirty="0" smtClean="0">
-                <a:solidFill>
-                  <a:schemeClr val="tx1"/>
-                </a:solidFill>
-                <a:latin typeface="Arial" panose="020B0604020202020204" pitchFamily="34" charset="0"/>
-                <a:cs typeface="Arial" panose="020B0604020202020204" pitchFamily="34" charset="0"/>
-              </a:rPr>
-              <a:t>recuencia relativa</a:t>
+              <a:t>frecuencia relativa</a:t>
             </a:r>
           </a:p>
           <a:p>
@@ -3545,38 +3122,24 @@
                 <a:latin typeface="Arial" panose="020B0604020202020204" pitchFamily="34" charset="0"/>
                 <a:cs typeface="Arial" panose="020B0604020202020204" pitchFamily="34" charset="0"/>
               </a:rPr>
-              <a:t>f</a:t>
-            </a:r>
-            <a:r>
-              <a:rPr lang="es-ES" sz="900" dirty="0" smtClean="0">
-                <a:solidFill>
-                  <a:schemeClr val="tx1"/>
-                </a:solidFill>
-                <a:latin typeface="Arial" panose="020B0604020202020204" pitchFamily="34" charset="0"/>
-                <a:cs typeface="Arial" panose="020B0604020202020204" pitchFamily="34" charset="0"/>
-              </a:rPr>
-              <a:t>recuencia porcentual</a:t>
-            </a:r>
-            <a:endParaRPr lang="es-ES" sz="900" dirty="0">
-              <a:solidFill>
-                <a:schemeClr val="tx1"/>
-              </a:solidFill>
-              <a:latin typeface="Arial" panose="020B0604020202020204" pitchFamily="34" charset="0"/>
-              <a:cs typeface="Arial" panose="020B0604020202020204" pitchFamily="34" charset="0"/>
-            </a:endParaRPr>
+              <a:t>frecuencia porcentual</a:t>
+            </a:r>
           </a:p>
         </p:txBody>
       </p:sp>
       <p:cxnSp>
         <p:nvCxnSpPr>
           <p:cNvPr id="302" name="Conector angular 301"/>
-          <p:cNvCxnSpPr/>
+          <p:cNvCxnSpPr>
+            <a:stCxn id="133" idx="2"/>
+            <a:endCxn id="299" idx="0"/>
+          </p:cNvCxnSpPr>
           <p:nvPr/>
         </p:nvCxnSpPr>
         <p:spPr>
-          <a:xfrm rot="16200000" flipH="1">
-            <a:off x="3051484" y="3879501"/>
-            <a:ext cx="152651" cy="638370"/>
+          <a:xfrm rot="5400000">
+            <a:off x="2774603" y="4425705"/>
+            <a:ext cx="239636" cy="3280"/>
           </a:xfrm>
           <a:prstGeom prst="bentConnector3">
             <a:avLst>
@@ -3607,13 +3170,16 @@
       <p:cxnSp>
         <p:nvCxnSpPr>
           <p:cNvPr id="333" name="Conector angular 332"/>
-          <p:cNvCxnSpPr/>
+          <p:cNvCxnSpPr>
+            <a:stCxn id="299" idx="2"/>
+            <a:endCxn id="300" idx="0"/>
+          </p:cNvCxnSpPr>
           <p:nvPr/>
         </p:nvCxnSpPr>
         <p:spPr>
           <a:xfrm rot="16200000" flipH="1">
-            <a:off x="3622300" y="4594671"/>
-            <a:ext cx="222071" cy="392634"/>
+            <a:off x="2832478" y="4979745"/>
+            <a:ext cx="122235" cy="1629"/>
           </a:xfrm>
           <a:prstGeom prst="bentConnector3">
             <a:avLst>
@@ -3644,13 +3210,16 @@
       <p:cxnSp>
         <p:nvCxnSpPr>
           <p:cNvPr id="363" name="Conector angular 362"/>
-          <p:cNvCxnSpPr/>
+          <p:cNvCxnSpPr>
+            <a:stCxn id="301" idx="0"/>
+            <a:endCxn id="300" idx="2"/>
+          </p:cNvCxnSpPr>
           <p:nvPr/>
         </p:nvCxnSpPr>
         <p:spPr>
           <a:xfrm rot="5400000" flipH="1" flipV="1">
-            <a:off x="3863418" y="5143641"/>
-            <a:ext cx="159461" cy="877"/>
+            <a:off x="2822358" y="5341616"/>
+            <a:ext cx="141158" cy="2946"/>
           </a:xfrm>
           <a:prstGeom prst="bentConnector3">
             <a:avLst>
@@ -3686,8 +3255,8 @@
         </p:nvSpPr>
         <p:spPr>
           <a:xfrm>
-            <a:off x="4385864" y="4323638"/>
-            <a:ext cx="1118927" cy="353519"/>
+            <a:off x="3642167" y="4565925"/>
+            <a:ext cx="1230820" cy="353519"/>
           </a:xfrm>
           <a:prstGeom prst="rect">
             <a:avLst/>
@@ -3728,75 +3297,24 @@
                 <a:latin typeface="Arial" panose="020B0604020202020204" pitchFamily="34" charset="0"/>
                 <a:cs typeface="Arial" panose="020B0604020202020204" pitchFamily="34" charset="0"/>
               </a:rPr>
-              <a:t>m</a:t>
-            </a:r>
-            <a:r>
-              <a:rPr lang="es-ES" sz="900" dirty="0" smtClean="0">
-                <a:solidFill>
-                  <a:schemeClr val="tx1"/>
-                </a:solidFill>
-                <a:latin typeface="Arial" panose="020B0604020202020204" pitchFamily="34" charset="0"/>
-                <a:cs typeface="Arial" panose="020B0604020202020204" pitchFamily="34" charset="0"/>
-              </a:rPr>
-              <a:t>edidas de tendencia</a:t>
-            </a:r>
-            <a:endParaRPr lang="es-ES" sz="900" dirty="0">
-              <a:solidFill>
-                <a:schemeClr val="tx1"/>
-              </a:solidFill>
-              <a:latin typeface="Arial" panose="020B0604020202020204" pitchFamily="34" charset="0"/>
-              <a:cs typeface="Arial" panose="020B0604020202020204" pitchFamily="34" charset="0"/>
-            </a:endParaRPr>
+              <a:t>medidas de tendencia</a:t>
+            </a:r>
           </a:p>
         </p:txBody>
       </p:sp>
       <p:cxnSp>
         <p:nvCxnSpPr>
           <p:cNvPr id="369" name="Conector angular 368"/>
-          <p:cNvCxnSpPr/>
+          <p:cNvCxnSpPr>
+            <a:stCxn id="133" idx="2"/>
+            <a:endCxn id="368" idx="0"/>
+          </p:cNvCxnSpPr>
           <p:nvPr/>
         </p:nvCxnSpPr>
         <p:spPr>
-          <a:xfrm>
-            <a:off x="3444354" y="4209445"/>
-            <a:ext cx="1538069" cy="4199"/>
-          </a:xfrm>
-          <a:prstGeom prst="bentConnector3">
-            <a:avLst>
-              <a:gd name="adj1" fmla="val 50000"/>
-            </a:avLst>
-          </a:prstGeom>
-          <a:ln w="12700">
-            <a:solidFill>
-              <a:schemeClr val="tx1"/>
-            </a:solidFill>
-          </a:ln>
-        </p:spPr>
-        <p:style>
-          <a:lnRef idx="1">
-            <a:schemeClr val="accent1"/>
-          </a:lnRef>
-          <a:fillRef idx="0">
-            <a:schemeClr val="accent1"/>
-          </a:fillRef>
-          <a:effectRef idx="0">
-            <a:schemeClr val="accent1"/>
-          </a:effectRef>
-          <a:fontRef idx="minor">
-            <a:schemeClr val="tx1"/>
-          </a:fontRef>
-        </p:style>
-      </p:cxnSp>
-      <p:cxnSp>
-        <p:nvCxnSpPr>
-          <p:cNvPr id="370" name="Conector angular 369"/>
-          <p:cNvCxnSpPr/>
-          <p:nvPr/>
-        </p:nvCxnSpPr>
-        <p:spPr>
-          <a:xfrm rot="5400000" flipH="1" flipV="1">
-            <a:off x="4921513" y="4281485"/>
-            <a:ext cx="159461" cy="877"/>
+          <a:xfrm rot="16200000" flipH="1">
+            <a:off x="3447620" y="3755968"/>
+            <a:ext cx="258398" cy="1361516"/>
           </a:xfrm>
           <a:prstGeom prst="bentConnector3">
             <a:avLst>
@@ -3832,8 +3350,8 @@
         </p:nvSpPr>
         <p:spPr>
           <a:xfrm>
-            <a:off x="5010448" y="5275717"/>
-            <a:ext cx="1118927" cy="469708"/>
+            <a:off x="3642166" y="5413668"/>
+            <a:ext cx="1230820" cy="469708"/>
           </a:xfrm>
           <a:prstGeom prst="rect">
             <a:avLst/>
@@ -3867,7 +3385,7 @@
           <a:p>
             <a:pPr algn="ctr"/>
             <a:r>
-              <a:rPr lang="es-ES" sz="900" dirty="0" smtClean="0">
+              <a:rPr lang="es-ES" sz="900" dirty="0">
                 <a:solidFill>
                   <a:schemeClr val="tx1"/>
                 </a:solidFill>
@@ -3880,7 +3398,7 @@
           <a:p>
             <a:pPr algn="ctr"/>
             <a:r>
-              <a:rPr lang="es-ES" sz="900" dirty="0" smtClean="0">
+              <a:rPr lang="es-ES" sz="900" dirty="0">
                 <a:solidFill>
                   <a:schemeClr val="tx1"/>
                 </a:solidFill>
@@ -3893,7 +3411,7 @@
           <a:p>
             <a:pPr algn="ctr"/>
             <a:r>
-              <a:rPr lang="es-ES" sz="900" dirty="0" smtClean="0">
+              <a:rPr lang="es-ES" sz="900" dirty="0">
                 <a:solidFill>
                   <a:schemeClr val="tx1"/>
                 </a:solidFill>
@@ -3902,26 +3420,22 @@
               </a:rPr>
               <a:t>moda</a:t>
             </a:r>
-            <a:endParaRPr lang="es-ES" sz="900" dirty="0">
-              <a:solidFill>
-                <a:schemeClr val="tx1"/>
-              </a:solidFill>
-              <a:latin typeface="Arial" panose="020B0604020202020204" pitchFamily="34" charset="0"/>
-              <a:cs typeface="Arial" panose="020B0604020202020204" pitchFamily="34" charset="0"/>
-            </a:endParaRPr>
           </a:p>
         </p:txBody>
       </p:sp>
       <p:cxnSp>
         <p:nvCxnSpPr>
           <p:cNvPr id="372" name="Conector angular 371"/>
-          <p:cNvCxnSpPr/>
+          <p:cNvCxnSpPr>
+            <a:stCxn id="368" idx="2"/>
+            <a:endCxn id="373" idx="0"/>
+          </p:cNvCxnSpPr>
           <p:nvPr/>
         </p:nvCxnSpPr>
         <p:spPr>
           <a:xfrm rot="16200000" flipH="1">
-            <a:off x="5067923" y="4577252"/>
-            <a:ext cx="222071" cy="392634"/>
+            <a:off x="4195823" y="4981197"/>
+            <a:ext cx="124871" cy="1363"/>
           </a:xfrm>
           <a:prstGeom prst="bentConnector3">
             <a:avLst>
@@ -3957,8 +3471,8 @@
         </p:nvSpPr>
         <p:spPr>
           <a:xfrm>
-            <a:off x="4864446" y="4879441"/>
-            <a:ext cx="1117174" cy="230832"/>
+            <a:off x="3839265" y="5044315"/>
+            <a:ext cx="839350" cy="230832"/>
           </a:xfrm>
           <a:prstGeom prst="rect">
             <a:avLst/>
@@ -3973,29 +3487,28 @@
           <a:p>
             <a:pPr algn="ctr"/>
             <a:r>
-              <a:rPr lang="es-ES" sz="900" dirty="0" smtClean="0">
+              <a:rPr lang="es-ES" sz="900" dirty="0">
                 <a:latin typeface="Arial" panose="020B0604020202020204" pitchFamily="34" charset="0"/>
                 <a:cs typeface="Arial" panose="020B0604020202020204" pitchFamily="34" charset="0"/>
               </a:rPr>
               <a:t>como</a:t>
             </a:r>
-            <a:endParaRPr lang="es-ES" sz="900" dirty="0">
-              <a:latin typeface="Arial" panose="020B0604020202020204" pitchFamily="34" charset="0"/>
-              <a:cs typeface="Arial" panose="020B0604020202020204" pitchFamily="34" charset="0"/>
-            </a:endParaRPr>
           </a:p>
         </p:txBody>
       </p:sp>
       <p:cxnSp>
         <p:nvCxnSpPr>
           <p:cNvPr id="374" name="Conector angular 373"/>
-          <p:cNvCxnSpPr/>
+          <p:cNvCxnSpPr>
+            <a:stCxn id="371" idx="0"/>
+            <a:endCxn id="373" idx="2"/>
+          </p:cNvCxnSpPr>
           <p:nvPr/>
         </p:nvCxnSpPr>
         <p:spPr>
           <a:xfrm rot="5400000" flipH="1" flipV="1">
-            <a:off x="5374360" y="5178474"/>
-            <a:ext cx="159461" cy="877"/>
+            <a:off x="4188998" y="5343726"/>
+            <a:ext cx="138521" cy="1364"/>
           </a:xfrm>
           <a:prstGeom prst="bentConnector3">
             <a:avLst>
@@ -4033,13 +3546,6 @@
   <p:clrMapOvr>
     <a:masterClrMapping/>
   </p:clrMapOvr>
-  <p:timing>
-    <p:tnLst>
-      <p:par>
-        <p:cTn xmlns:p14="http://schemas.microsoft.com/office/powerpoint/2010/main" id="1" dur="indefinite" restart="never" nodeType="tmRoot"/>
-      </p:par>
-    </p:tnLst>
-  </p:timing>
 </p:sld>
 </file>
 
@@ -4298,7 +3804,7 @@
   <a:extraClrSchemeLst/>
   <a:extLst>
     <a:ext uri="{05A4C25C-085E-4340-85A3-A5531E510DB2}">
-      <thm15:themeFamily xmlns:thm15="http://schemas.microsoft.com/office/thememl/2012/main" xmlns="" name="Office Theme" id="{62F939B6-93AF-4DB8-9C6B-D6C7DFDC589F}" vid="{4A3C46E8-61CC-4603-A589-7422A47A8E4A}"/>
+      <thm15:themeFamily xmlns:thm15="http://schemas.microsoft.com/office/thememl/2012/main" name="Office Theme" id="{62F939B6-93AF-4DB8-9C6B-D6C7DFDC589F}" vid="{4A3C46E8-61CC-4603-A589-7422A47A8E4A}"/>
     </a:ext>
   </a:extLst>
 </a:theme>
